--- a/新能源多时空尺度出力预测.pptx
+++ b/新能源多时空尺度出力预测.pptx
@@ -42,13 +42,15 @@
     <p:sldId id="296" r:id="rId36"/>
     <p:sldId id="299" r:id="rId37"/>
     <p:sldId id="300" r:id="rId38"/>
-    <p:sldId id="301" r:id="rId39"/>
-    <p:sldId id="302" r:id="rId40"/>
-    <p:sldId id="304" r:id="rId41"/>
-    <p:sldId id="291" r:id="rId42"/>
-    <p:sldId id="292" r:id="rId43"/>
-    <p:sldId id="290" r:id="rId44"/>
-    <p:sldId id="269" r:id="rId45"/>
+    <p:sldId id="305" r:id="rId39"/>
+    <p:sldId id="301" r:id="rId40"/>
+    <p:sldId id="302" r:id="rId41"/>
+    <p:sldId id="306" r:id="rId42"/>
+    <p:sldId id="304" r:id="rId43"/>
+    <p:sldId id="291" r:id="rId44"/>
+    <p:sldId id="292" r:id="rId45"/>
+    <p:sldId id="290" r:id="rId46"/>
+    <p:sldId id="269" r:id="rId47"/>
   </p:sldIdLst>
   <p:sldSz cx="12192000" cy="6858000"/>
   <p:notesSz cx="6858000" cy="9144000"/>
@@ -12961,6 +12963,184 @@
           <p:cNvPr id="2" name="标题 1">
             <a:extLst>
               <a:ext uri="{FF2B5EF4-FFF2-40B4-BE49-F238E27FC236}">
+                <a16:creationId xmlns:a16="http://schemas.microsoft.com/office/drawing/2014/main" id="{B2045ABF-D250-8F38-42EC-0F55B5A71ADC}"/>
+              </a:ext>
+            </a:extLst>
+          </p:cNvPr>
+          <p:cNvSpPr>
+            <a:spLocks noGrp="1"/>
+          </p:cNvSpPr>
+          <p:nvPr>
+            <p:ph type="title"/>
+          </p:nvPr>
+        </p:nvSpPr>
+        <p:spPr/>
+        <p:txBody>
+          <a:bodyPr/>
+          <a:lstStyle/>
+          <a:p>
+            <a:r>
+              <a:rPr lang="zh-CN" altLang="en-US" dirty="0"/>
+              <a:t>关于评价标准的再讨论</a:t>
+            </a:r>
+          </a:p>
+        </p:txBody>
+      </p:sp>
+      <p:sp>
+        <p:nvSpPr>
+          <p:cNvPr id="3" name="内容占位符 2">
+            <a:extLst>
+              <a:ext uri="{FF2B5EF4-FFF2-40B4-BE49-F238E27FC236}">
+                <a16:creationId xmlns:a16="http://schemas.microsoft.com/office/drawing/2014/main" id="{923DDB93-A85F-C2CE-0157-5FBEDF584D2F}"/>
+              </a:ext>
+            </a:extLst>
+          </p:cNvPr>
+          <p:cNvSpPr>
+            <a:spLocks noGrp="1"/>
+          </p:cNvSpPr>
+          <p:nvPr>
+            <p:ph idx="1"/>
+          </p:nvPr>
+        </p:nvSpPr>
+        <p:spPr/>
+        <p:txBody>
+          <a:bodyPr>
+            <a:normAutofit/>
+          </a:bodyPr>
+          <a:lstStyle/>
+          <a:p>
+            <a:r>
+              <a:rPr lang="zh-CN" altLang="en-US" dirty="0"/>
+              <a:t>在光伏预测中，由于仍然没有正确数据，我们基本的评价逻辑和风电一样，即</a:t>
+            </a:r>
+            <a:r>
+              <a:rPr lang="en-US" altLang="zh-CN" dirty="0">
+                <a:solidFill>
+                  <a:srgbClr val="FF0000"/>
+                </a:solidFill>
+              </a:rPr>
+              <a:t>test</a:t>
+            </a:r>
+            <a:r>
+              <a:rPr lang="zh-CN" altLang="en-US" dirty="0">
+                <a:solidFill>
+                  <a:srgbClr val="FF0000"/>
+                </a:solidFill>
+              </a:rPr>
+              <a:t>集越准则</a:t>
+            </a:r>
+            <a:r>
+              <a:rPr lang="en-US" altLang="zh-CN" dirty="0">
+                <a:solidFill>
+                  <a:srgbClr val="FF0000"/>
+                </a:solidFill>
+              </a:rPr>
+              <a:t>feature</a:t>
+            </a:r>
+            <a:r>
+              <a:rPr lang="zh-CN" altLang="en-US" dirty="0">
+                <a:solidFill>
+                  <a:srgbClr val="FF0000"/>
+                </a:solidFill>
+              </a:rPr>
+              <a:t>越准确</a:t>
+            </a:r>
+            <a:r>
+              <a:rPr lang="zh-CN" altLang="en-US" dirty="0"/>
+              <a:t>。</a:t>
+            </a:r>
+            <a:endParaRPr lang="en-US" altLang="zh-CN" dirty="0"/>
+          </a:p>
+          <a:p>
+            <a:r>
+              <a:rPr lang="zh-CN" altLang="en-US" dirty="0"/>
+              <a:t>但是光伏预测中我们并没有把</a:t>
+            </a:r>
+            <a:r>
+              <a:rPr lang="en-US" altLang="zh-CN" dirty="0"/>
+              <a:t>test</a:t>
+            </a:r>
+            <a:r>
+              <a:rPr lang="zh-CN" altLang="en-US" dirty="0"/>
+              <a:t>调的和风电一样特别准。这是因为我们发现当</a:t>
+            </a:r>
+            <a:r>
+              <a:rPr lang="en-US" altLang="zh-CN" dirty="0"/>
+              <a:t>test</a:t>
+            </a:r>
+            <a:r>
+              <a:rPr lang="zh-CN" altLang="en-US" dirty="0"/>
+              <a:t>调的误差极小时，未来预测结果将出现明显的错误。我们认为是可能出现了对于</a:t>
+            </a:r>
+            <a:r>
+              <a:rPr lang="en-US" altLang="zh-CN" dirty="0"/>
+              <a:t>test</a:t>
+            </a:r>
+            <a:r>
+              <a:rPr lang="zh-CN" altLang="en-US" dirty="0"/>
+              <a:t>的类似于“过拟合现象。</a:t>
+            </a:r>
+            <a:endParaRPr lang="en-US" altLang="zh-CN" dirty="0"/>
+          </a:p>
+          <a:p>
+            <a:r>
+              <a:rPr lang="zh-CN" altLang="en-US" dirty="0"/>
+              <a:t>评价函数 ‘</a:t>
+            </a:r>
+            <a:r>
+              <a:rPr lang="en-US" altLang="zh-CN" dirty="0" err="1"/>
+              <a:t>ev</a:t>
+            </a:r>
+            <a:r>
+              <a:rPr lang="zh-CN" altLang="en-US" dirty="0"/>
+              <a:t>’可以让我们画出最准确的</a:t>
+            </a:r>
+            <a:r>
+              <a:rPr lang="en-US" altLang="zh-CN" dirty="0"/>
+              <a:t>test</a:t>
+            </a:r>
+            <a:r>
+              <a:rPr lang="zh-CN" altLang="en-US" dirty="0"/>
+              <a:t>图，但是也许不能保证最好的预测结果。因此在光伏预测时我们选择调整到较好的参数，再给结果嵌套一个拟合，希望能尽可能贴合实际情况。</a:t>
+            </a:r>
+          </a:p>
+        </p:txBody>
+      </p:sp>
+    </p:spTree>
+    <p:extLst>
+      <p:ext uri="{BB962C8B-B14F-4D97-AF65-F5344CB8AC3E}">
+        <p14:creationId xmlns:p14="http://schemas.microsoft.com/office/powerpoint/2010/main" val="3293903109"/>
+      </p:ext>
+    </p:extLst>
+  </p:cSld>
+  <p:clrMapOvr>
+    <a:masterClrMapping/>
+  </p:clrMapOvr>
+</p:sld>
+</file>
+
+<file path=ppt/slides/slide39.xml><?xml version="1.0" encoding="utf-8"?>
+<p:sld xmlns:a="http://schemas.openxmlformats.org/drawingml/2006/main" xmlns:r="http://schemas.openxmlformats.org/officeDocument/2006/relationships" xmlns:p="http://schemas.openxmlformats.org/presentationml/2006/main">
+  <p:cSld>
+    <p:spTree>
+      <p:nvGrpSpPr>
+        <p:cNvPr id="1" name=""/>
+        <p:cNvGrpSpPr/>
+        <p:nvPr/>
+      </p:nvGrpSpPr>
+      <p:grpSpPr>
+        <a:xfrm>
+          <a:off x="0" y="0"/>
+          <a:ext cx="0" cy="0"/>
+          <a:chOff x="0" y="0"/>
+          <a:chExt cx="0" cy="0"/>
+        </a:xfrm>
+      </p:grpSpPr>
+      <p:sp>
+        <p:nvSpPr>
+          <p:cNvPr id="2" name="标题 1">
+            <a:extLst>
+              <a:ext uri="{FF2B5EF4-FFF2-40B4-BE49-F238E27FC236}">
                 <a16:creationId xmlns:a16="http://schemas.microsoft.com/office/drawing/2014/main" id="{CC365339-BA4E-C48E-671D-7E7844FC5E5D}"/>
               </a:ext>
             </a:extLst>
@@ -13093,7 +13273,198 @@
 </p:sld>
 </file>
 
-<file path=ppt/slides/slide39.xml><?xml version="1.0" encoding="utf-8"?>
+<file path=ppt/slides/slide4.xml><?xml version="1.0" encoding="utf-8"?>
+<p:sld xmlns:a="http://schemas.openxmlformats.org/drawingml/2006/main" xmlns:r="http://schemas.openxmlformats.org/officeDocument/2006/relationships" xmlns:p="http://schemas.openxmlformats.org/presentationml/2006/main">
+  <p:cSld>
+    <p:spTree>
+      <p:nvGrpSpPr>
+        <p:cNvPr id="1" name=""/>
+        <p:cNvGrpSpPr/>
+        <p:nvPr/>
+      </p:nvGrpSpPr>
+      <p:grpSpPr>
+        <a:xfrm>
+          <a:off x="0" y="0"/>
+          <a:ext cx="0" cy="0"/>
+          <a:chOff x="0" y="0"/>
+          <a:chExt cx="0" cy="0"/>
+        </a:xfrm>
+      </p:grpSpPr>
+      <p:sp>
+        <p:nvSpPr>
+          <p:cNvPr id="2" name="标题 1">
+            <a:extLst>
+              <a:ext uri="{FF2B5EF4-FFF2-40B4-BE49-F238E27FC236}">
+                <a16:creationId xmlns:a16="http://schemas.microsoft.com/office/drawing/2014/main" id="{6E8A6AFB-9BEC-C8DE-F581-BB76DA41E8B6}"/>
+              </a:ext>
+            </a:extLst>
+          </p:cNvPr>
+          <p:cNvSpPr>
+            <a:spLocks noGrp="1"/>
+          </p:cNvSpPr>
+          <p:nvPr>
+            <p:ph type="title"/>
+          </p:nvPr>
+        </p:nvSpPr>
+        <p:spPr/>
+        <p:txBody>
+          <a:bodyPr/>
+          <a:lstStyle/>
+          <a:p>
+            <a:r>
+              <a:rPr lang="zh-CN" altLang="en-US" dirty="0"/>
+              <a:t>研究现状</a:t>
+            </a:r>
+          </a:p>
+        </p:txBody>
+      </p:sp>
+      <p:sp>
+        <p:nvSpPr>
+          <p:cNvPr id="3" name="内容占位符 2">
+            <a:extLst>
+              <a:ext uri="{FF2B5EF4-FFF2-40B4-BE49-F238E27FC236}">
+                <a16:creationId xmlns:a16="http://schemas.microsoft.com/office/drawing/2014/main" id="{578D0D78-431D-EBE5-027C-02C77588BAC3}"/>
+              </a:ext>
+            </a:extLst>
+          </p:cNvPr>
+          <p:cNvSpPr>
+            <a:spLocks noGrp="1"/>
+          </p:cNvSpPr>
+          <p:nvPr>
+            <p:ph idx="1"/>
+          </p:nvPr>
+        </p:nvSpPr>
+        <p:spPr/>
+        <p:txBody>
+          <a:bodyPr>
+            <a:normAutofit lnSpcReduction="10000"/>
+          </a:bodyPr>
+          <a:lstStyle/>
+          <a:p>
+            <a:r>
+              <a:rPr lang="en-US" altLang="zh-CN" dirty="0"/>
+              <a:t>2018</a:t>
+            </a:r>
+            <a:r>
+              <a:rPr lang="zh-CN" altLang="en-US" dirty="0"/>
+              <a:t>年</a:t>
+            </a:r>
+            <a:r>
+              <a:rPr lang="en-US" altLang="zh-CN" dirty="0"/>
+              <a:t>5</a:t>
+            </a:r>
+            <a:r>
+              <a:rPr lang="zh-CN" altLang="en-US" dirty="0"/>
+              <a:t>月，国网江苏电力新能源发电数据中心建成投运。这套系统依托了“大数据</a:t>
+            </a:r>
+            <a:r>
+              <a:rPr lang="en-US" altLang="zh-CN" dirty="0"/>
+              <a:t>+</a:t>
+            </a:r>
+            <a:r>
+              <a:rPr lang="zh-CN" altLang="en-US" dirty="0"/>
+              <a:t>云计算”的互联网架构，整合各系统及相关社会资源，建立共享云平台，实现全省</a:t>
+            </a:r>
+            <a:r>
+              <a:rPr lang="en-US" altLang="zh-CN" dirty="0"/>
+              <a:t>4055</a:t>
+            </a:r>
+            <a:r>
+              <a:rPr lang="zh-CN" altLang="en-US" dirty="0"/>
+              <a:t>台风机和</a:t>
+            </a:r>
+            <a:r>
+              <a:rPr lang="en-US" altLang="zh-CN" dirty="0"/>
+              <a:t>16362</a:t>
+            </a:r>
+            <a:r>
+              <a:rPr lang="zh-CN" altLang="en-US" dirty="0"/>
+              <a:t>组光伏逆变器运行数据的实时监测，完成了全省</a:t>
+            </a:r>
+            <a:r>
+              <a:rPr lang="en-US" altLang="zh-CN" dirty="0"/>
+              <a:t>65</a:t>
+            </a:r>
+            <a:r>
+              <a:rPr lang="zh-CN" altLang="en-US" dirty="0"/>
+              <a:t>座测风塔、</a:t>
+            </a:r>
+            <a:r>
+              <a:rPr lang="en-US" altLang="zh-CN" dirty="0"/>
+              <a:t>425</a:t>
+            </a:r>
+            <a:r>
+              <a:rPr lang="zh-CN" altLang="en-US" dirty="0"/>
+              <a:t>座辐照仪的全寿命数据库构建，实现与省内各气象观测站的数据融合。</a:t>
+            </a:r>
+            <a:endParaRPr lang="en-US" altLang="zh-CN" dirty="0"/>
+          </a:p>
+          <a:p>
+            <a:r>
+              <a:rPr lang="zh-CN" altLang="en-US" dirty="0"/>
+              <a:t>新能源大时空尺度发电预测平台试运行半年以来，江苏电网新能源发电第三日功率预测精度同比提高</a:t>
+            </a:r>
+            <a:r>
+              <a:rPr lang="en-US" altLang="zh-CN" dirty="0"/>
+              <a:t>3.8</a:t>
+            </a:r>
+            <a:r>
+              <a:rPr lang="zh-CN" altLang="en-US" dirty="0"/>
+              <a:t>个百分点，并率先实现</a:t>
+            </a:r>
+            <a:r>
+              <a:rPr lang="zh-CN" altLang="en-US" dirty="0">
+                <a:solidFill>
+                  <a:srgbClr val="FF0000"/>
+                </a:solidFill>
+              </a:rPr>
+              <a:t>七日新能源发电功率准确预测</a:t>
+            </a:r>
+            <a:r>
+              <a:rPr lang="zh-CN" altLang="en-US" dirty="0"/>
+              <a:t>，第七日平均预测精准度达</a:t>
+            </a:r>
+            <a:r>
+              <a:rPr lang="en-US" altLang="zh-CN" dirty="0">
+                <a:solidFill>
+                  <a:srgbClr val="FF0000"/>
+                </a:solidFill>
+              </a:rPr>
+              <a:t>84.2%</a:t>
+            </a:r>
+            <a:r>
+              <a:rPr lang="zh-CN" altLang="en-US" dirty="0"/>
+              <a:t>，已达到全国</a:t>
+            </a:r>
+            <a:r>
+              <a:rPr lang="zh-CN" altLang="en-US" dirty="0">
+                <a:solidFill>
+                  <a:srgbClr val="FF0000"/>
+                </a:solidFill>
+              </a:rPr>
+              <a:t>三日预测</a:t>
+            </a:r>
+            <a:r>
+              <a:rPr lang="zh-CN" altLang="en-US" dirty="0"/>
+              <a:t>平均精度。</a:t>
+            </a:r>
+          </a:p>
+        </p:txBody>
+      </p:sp>
+    </p:spTree>
+    <p:extLst>
+      <p:ext uri="{BB962C8B-B14F-4D97-AF65-F5344CB8AC3E}">
+        <p14:creationId xmlns:p14="http://schemas.microsoft.com/office/powerpoint/2010/main" val="2420350802"/>
+      </p:ext>
+    </p:extLst>
+  </p:cSld>
+  <p:clrMapOvr>
+    <a:masterClrMapping/>
+  </p:clrMapOvr>
+</p:sld>
+</file>
+
+<file path=ppt/slides/slide40.xml><?xml version="1.0" encoding="utf-8"?>
 <p:sld xmlns:a="http://schemas.openxmlformats.org/drawingml/2006/main" xmlns:r="http://schemas.openxmlformats.org/officeDocument/2006/relationships" xmlns:p="http://schemas.openxmlformats.org/presentationml/2006/main">
   <p:cSld>
     <p:spTree>
@@ -13428,7 +13799,7 @@
 </p:sld>
 </file>
 
-<file path=ppt/slides/slide4.xml><?xml version="1.0" encoding="utf-8"?>
+<file path=ppt/slides/slide41.xml><?xml version="1.0" encoding="utf-8"?>
 <p:sld xmlns:a="http://schemas.openxmlformats.org/drawingml/2006/main" xmlns:r="http://schemas.openxmlformats.org/officeDocument/2006/relationships" xmlns:p="http://schemas.openxmlformats.org/presentationml/2006/main">
   <p:cSld>
     <p:spTree>
@@ -13447,10 +13818,10 @@
       </p:grpSpPr>
       <p:sp>
         <p:nvSpPr>
-          <p:cNvPr id="2" name="标题 1">
+          <p:cNvPr id="2" name="竖排标题 1">
             <a:extLst>
               <a:ext uri="{FF2B5EF4-FFF2-40B4-BE49-F238E27FC236}">
-                <a16:creationId xmlns:a16="http://schemas.microsoft.com/office/drawing/2014/main" id="{6E8A6AFB-9BEC-C8DE-F581-BB76DA41E8B6}"/>
+                <a16:creationId xmlns:a16="http://schemas.microsoft.com/office/drawing/2014/main" id="{CDE7594C-370E-3789-F7AA-C1EF9EB62F0A}"/>
               </a:ext>
             </a:extLst>
           </p:cNvPr>
@@ -13458,7 +13829,7 @@
             <a:spLocks noGrp="1"/>
           </p:cNvSpPr>
           <p:nvPr>
-            <p:ph type="title"/>
+            <p:ph type="title" orient="vert"/>
           </p:nvPr>
         </p:nvSpPr>
         <p:spPr/>
@@ -13468,17 +13839,17 @@
           <a:p>
             <a:r>
               <a:rPr lang="zh-CN" altLang="en-US" dirty="0"/>
-              <a:t>研究现状</a:t>
-            </a:r>
-          </a:p>
-        </p:txBody>
-      </p:sp>
-      <p:sp>
-        <p:nvSpPr>
-          <p:cNvPr id="3" name="内容占位符 2">
+              <a:t>拓展</a:t>
+            </a:r>
+          </a:p>
+        </p:txBody>
+      </p:sp>
+      <p:sp>
+        <p:nvSpPr>
+          <p:cNvPr id="3" name="竖排文字占位符 2">
             <a:extLst>
               <a:ext uri="{FF2B5EF4-FFF2-40B4-BE49-F238E27FC236}">
-                <a16:creationId xmlns:a16="http://schemas.microsoft.com/office/drawing/2014/main" id="{578D0D78-431D-EBE5-027C-02C77588BAC3}"/>
+                <a16:creationId xmlns:a16="http://schemas.microsoft.com/office/drawing/2014/main" id="{7025E403-D972-3AD5-672C-E019F72967D1}"/>
               </a:ext>
             </a:extLst>
           </p:cNvPr>
@@ -13486,130 +13857,52 @@
             <a:spLocks noGrp="1"/>
           </p:cNvSpPr>
           <p:nvPr>
-            <p:ph idx="1"/>
+            <p:ph type="body" orient="vert" idx="1"/>
           </p:nvPr>
         </p:nvSpPr>
         <p:spPr/>
         <p:txBody>
-          <a:bodyPr>
-            <a:normAutofit lnSpcReduction="10000"/>
-          </a:bodyPr>
-          <a:lstStyle/>
-          <a:p>
-            <a:r>
-              <a:rPr lang="en-US" altLang="zh-CN" dirty="0"/>
-              <a:t>2018</a:t>
-            </a:r>
-            <a:r>
-              <a:rPr lang="zh-CN" altLang="en-US" dirty="0"/>
-              <a:t>年</a:t>
-            </a:r>
-            <a:r>
-              <a:rPr lang="en-US" altLang="zh-CN" dirty="0"/>
-              <a:t>5</a:t>
-            </a:r>
-            <a:r>
-              <a:rPr lang="zh-CN" altLang="en-US" dirty="0"/>
-              <a:t>月，国网江苏电力新能源发电数据中心建成投运。这套系统依托了“大数据</a:t>
-            </a:r>
-            <a:r>
-              <a:rPr lang="en-US" altLang="zh-CN" dirty="0"/>
-              <a:t>+</a:t>
-            </a:r>
-            <a:r>
-              <a:rPr lang="zh-CN" altLang="en-US" dirty="0"/>
-              <a:t>云计算”的互联网架构，整合各系统及相关社会资源，建立共享云平台，实现全省</a:t>
-            </a:r>
-            <a:r>
-              <a:rPr lang="en-US" altLang="zh-CN" dirty="0"/>
-              <a:t>4055</a:t>
-            </a:r>
-            <a:r>
-              <a:rPr lang="zh-CN" altLang="en-US" dirty="0"/>
-              <a:t>台风机和</a:t>
-            </a:r>
-            <a:r>
-              <a:rPr lang="en-US" altLang="zh-CN" dirty="0"/>
-              <a:t>16362</a:t>
-            </a:r>
-            <a:r>
-              <a:rPr lang="zh-CN" altLang="en-US" dirty="0"/>
-              <a:t>组光伏逆变器运行数据的实时监测，完成了全省</a:t>
-            </a:r>
-            <a:r>
-              <a:rPr lang="en-US" altLang="zh-CN" dirty="0"/>
-              <a:t>65</a:t>
-            </a:r>
-            <a:r>
-              <a:rPr lang="zh-CN" altLang="en-US" dirty="0"/>
-              <a:t>座测风塔、</a:t>
-            </a:r>
-            <a:r>
-              <a:rPr lang="en-US" altLang="zh-CN" dirty="0"/>
-              <a:t>425</a:t>
-            </a:r>
-            <a:r>
-              <a:rPr lang="zh-CN" altLang="en-US" dirty="0"/>
-              <a:t>座辐照仪的全寿命数据库构建，实现与省内各气象观测站的数据融合。</a:t>
-            </a:r>
-            <a:endParaRPr lang="en-US" altLang="zh-CN" dirty="0"/>
-          </a:p>
-          <a:p>
-            <a:r>
-              <a:rPr lang="zh-CN" altLang="en-US" dirty="0"/>
-              <a:t>新能源大时空尺度发电预测平台试运行半年以来，江苏电网新能源发电第三日功率预测精度同比提高</a:t>
-            </a:r>
-            <a:r>
-              <a:rPr lang="en-US" altLang="zh-CN" dirty="0"/>
-              <a:t>3.8</a:t>
-            </a:r>
-            <a:r>
-              <a:rPr lang="zh-CN" altLang="en-US" dirty="0"/>
-              <a:t>个百分点，并率先实现</a:t>
-            </a:r>
-            <a:r>
-              <a:rPr lang="zh-CN" altLang="en-US" dirty="0">
-                <a:solidFill>
-                  <a:srgbClr val="FF0000"/>
-                </a:solidFill>
-              </a:rPr>
-              <a:t>七日新能源发电功率准确预测</a:t>
-            </a:r>
-            <a:r>
-              <a:rPr lang="zh-CN" altLang="en-US" dirty="0"/>
-              <a:t>，第七日平均预测精准度达</a:t>
-            </a:r>
-            <a:r>
-              <a:rPr lang="en-US" altLang="zh-CN" dirty="0">
-                <a:solidFill>
-                  <a:srgbClr val="FF0000"/>
-                </a:solidFill>
-              </a:rPr>
-              <a:t>84.2%</a:t>
-            </a:r>
-            <a:r>
-              <a:rPr lang="zh-CN" altLang="en-US" dirty="0"/>
-              <a:t>，已达到全国</a:t>
-            </a:r>
-            <a:r>
-              <a:rPr lang="zh-CN" altLang="en-US" dirty="0">
-                <a:solidFill>
-                  <a:srgbClr val="FF0000"/>
-                </a:solidFill>
-              </a:rPr>
-              <a:t>三日预测</a:t>
-            </a:r>
-            <a:r>
-              <a:rPr lang="zh-CN" altLang="en-US" dirty="0"/>
-              <a:t>平均精度。</a:t>
-            </a:r>
-          </a:p>
-        </p:txBody>
-      </p:sp>
+          <a:bodyPr/>
+          <a:lstStyle/>
+          <a:p>
+            <a:endParaRPr lang="zh-CN" altLang="en-US" dirty="0"/>
+          </a:p>
+        </p:txBody>
+      </p:sp>
+      <p:pic>
+        <p:nvPicPr>
+          <p:cNvPr id="7" name="图片 6">
+            <a:extLst>
+              <a:ext uri="{FF2B5EF4-FFF2-40B4-BE49-F238E27FC236}">
+                <a16:creationId xmlns:a16="http://schemas.microsoft.com/office/drawing/2014/main" id="{7B254AD8-4D78-1A87-C8C2-D76661FCA58D}"/>
+              </a:ext>
+            </a:extLst>
+          </p:cNvPr>
+          <p:cNvPicPr>
+            <a:picLocks noChangeAspect="1"/>
+          </p:cNvPicPr>
+          <p:nvPr/>
+        </p:nvPicPr>
+        <p:blipFill>
+          <a:blip r:embed="rId2"/>
+          <a:stretch>
+            <a:fillRect/>
+          </a:stretch>
+        </p:blipFill>
+        <p:spPr>
+          <a:xfrm>
+            <a:off x="1295397" y="982131"/>
+            <a:ext cx="7433025" cy="4893734"/>
+          </a:xfrm>
+          <a:prstGeom prst="rect">
+            <a:avLst/>
+          </a:prstGeom>
+        </p:spPr>
+      </p:pic>
     </p:spTree>
     <p:extLst>
       <p:ext uri="{BB962C8B-B14F-4D97-AF65-F5344CB8AC3E}">
-        <p14:creationId xmlns:p14="http://schemas.microsoft.com/office/powerpoint/2010/main" val="2420350802"/>
+        <p14:creationId xmlns:p14="http://schemas.microsoft.com/office/powerpoint/2010/main" val="2863779246"/>
       </p:ext>
     </p:extLst>
   </p:cSld>
@@ -13619,7 +13912,7 @@
 </p:sld>
 </file>
 
-<file path=ppt/slides/slide40.xml><?xml version="1.0" encoding="utf-8"?>
+<file path=ppt/slides/slide42.xml><?xml version="1.0" encoding="utf-8"?>
 <p:sld xmlns:a="http://schemas.openxmlformats.org/drawingml/2006/main" xmlns:r="http://schemas.openxmlformats.org/officeDocument/2006/relationships" xmlns:p="http://schemas.openxmlformats.org/presentationml/2006/main">
   <p:cSld>
     <p:spTree>
@@ -13741,346 +14034,6 @@
 </p:sld>
 </file>
 
-<file path=ppt/slides/slide41.xml><?xml version="1.0" encoding="utf-8"?>
-<p:sld xmlns:a="http://schemas.openxmlformats.org/drawingml/2006/main" xmlns:r="http://schemas.openxmlformats.org/officeDocument/2006/relationships" xmlns:p="http://schemas.openxmlformats.org/presentationml/2006/main">
-  <p:cSld>
-    <p:spTree>
-      <p:nvGrpSpPr>
-        <p:cNvPr id="1" name=""/>
-        <p:cNvGrpSpPr/>
-        <p:nvPr/>
-      </p:nvGrpSpPr>
-      <p:grpSpPr>
-        <a:xfrm>
-          <a:off x="0" y="0"/>
-          <a:ext cx="0" cy="0"/>
-          <a:chOff x="0" y="0"/>
-          <a:chExt cx="0" cy="0"/>
-        </a:xfrm>
-      </p:grpSpPr>
-      <p:sp>
-        <p:nvSpPr>
-          <p:cNvPr id="2" name="标题 1">
-            <a:extLst>
-              <a:ext uri="{FF2B5EF4-FFF2-40B4-BE49-F238E27FC236}">
-                <a16:creationId xmlns:a16="http://schemas.microsoft.com/office/drawing/2014/main" id="{2FC65BCB-AD8E-48DD-55BC-E3DE667E85D4}"/>
-              </a:ext>
-            </a:extLst>
-          </p:cNvPr>
-          <p:cNvSpPr>
-            <a:spLocks noGrp="1"/>
-          </p:cNvSpPr>
-          <p:nvPr>
-            <p:ph type="title"/>
-          </p:nvPr>
-        </p:nvSpPr>
-        <p:spPr/>
-        <p:txBody>
-          <a:bodyPr/>
-          <a:lstStyle/>
-          <a:p>
-            <a:r>
-              <a:rPr lang="zh-CN" altLang="en-US" dirty="0"/>
-              <a:t>成员分工</a:t>
-            </a:r>
-          </a:p>
-        </p:txBody>
-      </p:sp>
-      <p:sp>
-        <p:nvSpPr>
-          <p:cNvPr id="3" name="内容占位符 2">
-            <a:extLst>
-              <a:ext uri="{FF2B5EF4-FFF2-40B4-BE49-F238E27FC236}">
-                <a16:creationId xmlns:a16="http://schemas.microsoft.com/office/drawing/2014/main" id="{2007B521-6B88-F675-1DF8-11A1A68C0EB2}"/>
-              </a:ext>
-            </a:extLst>
-          </p:cNvPr>
-          <p:cNvSpPr>
-            <a:spLocks noGrp="1"/>
-          </p:cNvSpPr>
-          <p:nvPr>
-            <p:ph sz="half" idx="1"/>
-          </p:nvPr>
-        </p:nvSpPr>
-        <p:spPr/>
-        <p:txBody>
-          <a:bodyPr>
-            <a:normAutofit/>
-          </a:bodyPr>
-          <a:lstStyle/>
-          <a:p>
-            <a:r>
-              <a:rPr lang="zh-CN" altLang="en-US" dirty="0"/>
-              <a:t>季辰昱：负责完成报告、制作</a:t>
-            </a:r>
-            <a:r>
-              <a:rPr lang="en-US" altLang="zh-CN" dirty="0"/>
-              <a:t>PPT</a:t>
-            </a:r>
-            <a:r>
-              <a:rPr lang="zh-CN" altLang="en-US" dirty="0"/>
-              <a:t>负责答辩。</a:t>
-            </a:r>
-            <a:endParaRPr lang="en-US" altLang="zh-CN" dirty="0"/>
-          </a:p>
-          <a:p>
-            <a:r>
-              <a:rPr lang="zh-CN" altLang="en-US" dirty="0"/>
-              <a:t>龚楷程：负责建模分析，完成了风电的建模预测，搭建了光伏预测模型的构架。</a:t>
-            </a:r>
-          </a:p>
-          <a:p>
-            <a:r>
-              <a:rPr lang="zh-CN" altLang="en-US" dirty="0"/>
-              <a:t>曹瑜：负责建模分析，修改完成了光伏的建模预测。</a:t>
-            </a:r>
-          </a:p>
-          <a:p>
-            <a:endParaRPr lang="zh-CN" altLang="en-US" dirty="0"/>
-          </a:p>
-        </p:txBody>
-      </p:sp>
-      <p:sp>
-        <p:nvSpPr>
-          <p:cNvPr id="4" name="内容占位符 3">
-            <a:extLst>
-              <a:ext uri="{FF2B5EF4-FFF2-40B4-BE49-F238E27FC236}">
-                <a16:creationId xmlns:a16="http://schemas.microsoft.com/office/drawing/2014/main" id="{82CD4C32-B51F-5D2E-69D8-28540E6CADA7}"/>
-              </a:ext>
-            </a:extLst>
-          </p:cNvPr>
-          <p:cNvSpPr>
-            <a:spLocks noGrp="1"/>
-          </p:cNvSpPr>
-          <p:nvPr>
-            <p:ph sz="half" idx="2"/>
-          </p:nvPr>
-        </p:nvSpPr>
-        <p:spPr/>
-        <p:txBody>
-          <a:bodyPr>
-            <a:normAutofit/>
-          </a:bodyPr>
-          <a:lstStyle/>
-          <a:p>
-            <a:r>
-              <a:rPr lang="zh-CN" altLang="en-US" dirty="0"/>
-              <a:t>王敬修：负责用户端设计，完成了网页的设计。</a:t>
-            </a:r>
-            <a:endParaRPr lang="en-US" altLang="zh-CN" dirty="0"/>
-          </a:p>
-          <a:p>
-            <a:r>
-              <a:rPr lang="zh-CN" altLang="en-US" dirty="0"/>
-              <a:t>熊晨阳：负责用户端设计，实现本地界面的设计。</a:t>
-            </a:r>
-          </a:p>
-        </p:txBody>
-      </p:sp>
-    </p:spTree>
-    <p:extLst>
-      <p:ext uri="{BB962C8B-B14F-4D97-AF65-F5344CB8AC3E}">
-        <p14:creationId xmlns:p14="http://schemas.microsoft.com/office/powerpoint/2010/main" val="3439435952"/>
-      </p:ext>
-    </p:extLst>
-  </p:cSld>
-  <p:clrMapOvr>
-    <a:masterClrMapping/>
-  </p:clrMapOvr>
-</p:sld>
-</file>
-
-<file path=ppt/slides/slide42.xml><?xml version="1.0" encoding="utf-8"?>
-<p:sld xmlns:a="http://schemas.openxmlformats.org/drawingml/2006/main" xmlns:r="http://schemas.openxmlformats.org/officeDocument/2006/relationships" xmlns:p="http://schemas.openxmlformats.org/presentationml/2006/main">
-  <p:cSld>
-    <p:spTree>
-      <p:nvGrpSpPr>
-        <p:cNvPr id="1" name=""/>
-        <p:cNvGrpSpPr/>
-        <p:nvPr/>
-      </p:nvGrpSpPr>
-      <p:grpSpPr>
-        <a:xfrm>
-          <a:off x="0" y="0"/>
-          <a:ext cx="0" cy="0"/>
-          <a:chOff x="0" y="0"/>
-          <a:chExt cx="0" cy="0"/>
-        </a:xfrm>
-      </p:grpSpPr>
-      <p:sp>
-        <p:nvSpPr>
-          <p:cNvPr id="2" name="标题 1">
-            <a:extLst>
-              <a:ext uri="{FF2B5EF4-FFF2-40B4-BE49-F238E27FC236}">
-                <a16:creationId xmlns:a16="http://schemas.microsoft.com/office/drawing/2014/main" id="{4E7B1680-1C12-9797-8E79-58040330C0D5}"/>
-              </a:ext>
-            </a:extLst>
-          </p:cNvPr>
-          <p:cNvSpPr>
-            <a:spLocks noGrp="1"/>
-          </p:cNvSpPr>
-          <p:nvPr>
-            <p:ph type="title"/>
-          </p:nvPr>
-        </p:nvSpPr>
-        <p:spPr/>
-        <p:txBody>
-          <a:bodyPr/>
-          <a:lstStyle/>
-          <a:p>
-            <a:r>
-              <a:rPr lang="zh-CN" altLang="en-US" dirty="0"/>
-              <a:t>总结反思</a:t>
-            </a:r>
-          </a:p>
-        </p:txBody>
-      </p:sp>
-      <p:sp>
-        <p:nvSpPr>
-          <p:cNvPr id="3" name="文本占位符 2">
-            <a:extLst>
-              <a:ext uri="{FF2B5EF4-FFF2-40B4-BE49-F238E27FC236}">
-                <a16:creationId xmlns:a16="http://schemas.microsoft.com/office/drawing/2014/main" id="{53F4BA1E-8415-C189-B962-E38D559FBA7B}"/>
-              </a:ext>
-            </a:extLst>
-          </p:cNvPr>
-          <p:cNvSpPr>
-            <a:spLocks noGrp="1"/>
-          </p:cNvSpPr>
-          <p:nvPr>
-            <p:ph type="body" idx="1"/>
-          </p:nvPr>
-        </p:nvSpPr>
-        <p:spPr/>
-        <p:txBody>
-          <a:bodyPr/>
-          <a:lstStyle/>
-          <a:p>
-            <a:r>
-              <a:rPr lang="zh-CN" altLang="en-US" dirty="0"/>
-              <a:t>优点</a:t>
-            </a:r>
-          </a:p>
-        </p:txBody>
-      </p:sp>
-      <p:sp>
-        <p:nvSpPr>
-          <p:cNvPr id="4" name="内容占位符 3">
-            <a:extLst>
-              <a:ext uri="{FF2B5EF4-FFF2-40B4-BE49-F238E27FC236}">
-                <a16:creationId xmlns:a16="http://schemas.microsoft.com/office/drawing/2014/main" id="{426295F8-13CC-8125-FBBA-44E89560A195}"/>
-              </a:ext>
-            </a:extLst>
-          </p:cNvPr>
-          <p:cNvSpPr>
-            <a:spLocks noGrp="1"/>
-          </p:cNvSpPr>
-          <p:nvPr>
-            <p:ph sz="half" idx="2"/>
-          </p:nvPr>
-        </p:nvSpPr>
-        <p:spPr/>
-        <p:txBody>
-          <a:bodyPr>
-            <a:normAutofit fontScale="85000" lnSpcReduction="20000"/>
-          </a:bodyPr>
-          <a:lstStyle/>
-          <a:p>
-            <a:r>
-              <a:rPr lang="en-US" altLang="zh-CN" dirty="0"/>
-              <a:t>1.</a:t>
-            </a:r>
-            <a:r>
-              <a:rPr lang="zh-CN" altLang="en-US" dirty="0"/>
-              <a:t>项目中，我们在进行建模时能够自主探索，对于同一个问题，我们能够通过建立多种模型进行预测，最终挑选出最佳的结果，使预测数据结果能够贴近正确。</a:t>
-            </a:r>
-          </a:p>
-          <a:p>
-            <a:r>
-              <a:rPr lang="en-US" altLang="zh-CN" dirty="0"/>
-              <a:t>2.</a:t>
-            </a:r>
-            <a:r>
-              <a:rPr lang="zh-CN" altLang="en-US" dirty="0"/>
-              <a:t>各个模块内，小组成员通力合作，能够有效推进项目进度，不断完善代码，通过一代代的迭代使得最终的预测结果更为合理准确。</a:t>
-            </a:r>
-          </a:p>
-          <a:p>
-            <a:endParaRPr lang="zh-CN" altLang="en-US" dirty="0"/>
-          </a:p>
-        </p:txBody>
-      </p:sp>
-      <p:sp>
-        <p:nvSpPr>
-          <p:cNvPr id="5" name="文本占位符 4">
-            <a:extLst>
-              <a:ext uri="{FF2B5EF4-FFF2-40B4-BE49-F238E27FC236}">
-                <a16:creationId xmlns:a16="http://schemas.microsoft.com/office/drawing/2014/main" id="{C1613F41-DD38-FA63-84CC-24FE5CBC9CB4}"/>
-              </a:ext>
-            </a:extLst>
-          </p:cNvPr>
-          <p:cNvSpPr>
-            <a:spLocks noGrp="1"/>
-          </p:cNvSpPr>
-          <p:nvPr>
-            <p:ph type="body" sz="quarter" idx="3"/>
-          </p:nvPr>
-        </p:nvSpPr>
-        <p:spPr/>
-        <p:txBody>
-          <a:bodyPr/>
-          <a:lstStyle/>
-          <a:p>
-            <a:r>
-              <a:rPr lang="zh-CN" altLang="en-US" dirty="0"/>
-              <a:t>缺点</a:t>
-            </a:r>
-          </a:p>
-        </p:txBody>
-      </p:sp>
-      <p:sp>
-        <p:nvSpPr>
-          <p:cNvPr id="6" name="内容占位符 5">
-            <a:extLst>
-              <a:ext uri="{FF2B5EF4-FFF2-40B4-BE49-F238E27FC236}">
-                <a16:creationId xmlns:a16="http://schemas.microsoft.com/office/drawing/2014/main" id="{01644CCB-EA92-2412-97CF-0B6C388E4152}"/>
-              </a:ext>
-            </a:extLst>
-          </p:cNvPr>
-          <p:cNvSpPr>
-            <a:spLocks noGrp="1"/>
-          </p:cNvSpPr>
-          <p:nvPr>
-            <p:ph sz="quarter" idx="4"/>
-          </p:nvPr>
-        </p:nvSpPr>
-        <p:spPr/>
-        <p:txBody>
-          <a:bodyPr>
-            <a:normAutofit fontScale="85000" lnSpcReduction="20000"/>
-          </a:bodyPr>
-          <a:lstStyle/>
-          <a:p>
-            <a:r>
-              <a:rPr lang="zh-CN" altLang="en-US" dirty="0"/>
-              <a:t>在项目中，模块之间对接不够清晰，导致模块整合时，出现较大失误，最终通过小组内部会议解决矛盾，能够继续推进。同时，分工不是非常合理导致部分小组成员推进速度过慢。</a:t>
-            </a:r>
-          </a:p>
-        </p:txBody>
-      </p:sp>
-    </p:spTree>
-    <p:extLst>
-      <p:ext uri="{BB962C8B-B14F-4D97-AF65-F5344CB8AC3E}">
-        <p14:creationId xmlns:p14="http://schemas.microsoft.com/office/powerpoint/2010/main" val="3560320423"/>
-      </p:ext>
-    </p:extLst>
-  </p:cSld>
-  <p:clrMapOvr>
-    <a:masterClrMapping/>
-  </p:clrMapOvr>
-</p:sld>
-</file>
-
 <file path=ppt/slides/slide43.xml><?xml version="1.0" encoding="utf-8"?>
 <p:sld xmlns:a="http://schemas.openxmlformats.org/drawingml/2006/main" xmlns:r="http://schemas.openxmlformats.org/officeDocument/2006/relationships" xmlns:p="http://schemas.openxmlformats.org/presentationml/2006/main">
   <p:cSld>
@@ -14103,6 +14056,346 @@
           <p:cNvPr id="2" name="标题 1">
             <a:extLst>
               <a:ext uri="{FF2B5EF4-FFF2-40B4-BE49-F238E27FC236}">
+                <a16:creationId xmlns:a16="http://schemas.microsoft.com/office/drawing/2014/main" id="{2FC65BCB-AD8E-48DD-55BC-E3DE667E85D4}"/>
+              </a:ext>
+            </a:extLst>
+          </p:cNvPr>
+          <p:cNvSpPr>
+            <a:spLocks noGrp="1"/>
+          </p:cNvSpPr>
+          <p:nvPr>
+            <p:ph type="title"/>
+          </p:nvPr>
+        </p:nvSpPr>
+        <p:spPr/>
+        <p:txBody>
+          <a:bodyPr/>
+          <a:lstStyle/>
+          <a:p>
+            <a:r>
+              <a:rPr lang="zh-CN" altLang="en-US" dirty="0"/>
+              <a:t>成员分工</a:t>
+            </a:r>
+          </a:p>
+        </p:txBody>
+      </p:sp>
+      <p:sp>
+        <p:nvSpPr>
+          <p:cNvPr id="3" name="内容占位符 2">
+            <a:extLst>
+              <a:ext uri="{FF2B5EF4-FFF2-40B4-BE49-F238E27FC236}">
+                <a16:creationId xmlns:a16="http://schemas.microsoft.com/office/drawing/2014/main" id="{2007B521-6B88-F675-1DF8-11A1A68C0EB2}"/>
+              </a:ext>
+            </a:extLst>
+          </p:cNvPr>
+          <p:cNvSpPr>
+            <a:spLocks noGrp="1"/>
+          </p:cNvSpPr>
+          <p:nvPr>
+            <p:ph sz="half" idx="1"/>
+          </p:nvPr>
+        </p:nvSpPr>
+        <p:spPr/>
+        <p:txBody>
+          <a:bodyPr>
+            <a:normAutofit/>
+          </a:bodyPr>
+          <a:lstStyle/>
+          <a:p>
+            <a:r>
+              <a:rPr lang="zh-CN" altLang="en-US" dirty="0"/>
+              <a:t>季辰昱：负责完成报告、制作</a:t>
+            </a:r>
+            <a:r>
+              <a:rPr lang="en-US" altLang="zh-CN" dirty="0"/>
+              <a:t>PPT</a:t>
+            </a:r>
+            <a:r>
+              <a:rPr lang="zh-CN" altLang="en-US" dirty="0"/>
+              <a:t>负责答辩。</a:t>
+            </a:r>
+            <a:endParaRPr lang="en-US" altLang="zh-CN" dirty="0"/>
+          </a:p>
+          <a:p>
+            <a:r>
+              <a:rPr lang="zh-CN" altLang="en-US" dirty="0"/>
+              <a:t>龚楷程：负责建模分析，完成了风电的建模预测，搭建了光伏预测模型的构架。</a:t>
+            </a:r>
+          </a:p>
+          <a:p>
+            <a:r>
+              <a:rPr lang="zh-CN" altLang="en-US" dirty="0"/>
+              <a:t>曹瑜：负责建模分析，修改完成了光伏的建模预测。</a:t>
+            </a:r>
+          </a:p>
+          <a:p>
+            <a:endParaRPr lang="zh-CN" altLang="en-US" dirty="0"/>
+          </a:p>
+        </p:txBody>
+      </p:sp>
+      <p:sp>
+        <p:nvSpPr>
+          <p:cNvPr id="4" name="内容占位符 3">
+            <a:extLst>
+              <a:ext uri="{FF2B5EF4-FFF2-40B4-BE49-F238E27FC236}">
+                <a16:creationId xmlns:a16="http://schemas.microsoft.com/office/drawing/2014/main" id="{82CD4C32-B51F-5D2E-69D8-28540E6CADA7}"/>
+              </a:ext>
+            </a:extLst>
+          </p:cNvPr>
+          <p:cNvSpPr>
+            <a:spLocks noGrp="1"/>
+          </p:cNvSpPr>
+          <p:nvPr>
+            <p:ph sz="half" idx="2"/>
+          </p:nvPr>
+        </p:nvSpPr>
+        <p:spPr/>
+        <p:txBody>
+          <a:bodyPr>
+            <a:normAutofit/>
+          </a:bodyPr>
+          <a:lstStyle/>
+          <a:p>
+            <a:r>
+              <a:rPr lang="zh-CN" altLang="en-US" dirty="0"/>
+              <a:t>王敬修：负责用户端设计，完成了网页的设计。</a:t>
+            </a:r>
+            <a:endParaRPr lang="en-US" altLang="zh-CN" dirty="0"/>
+          </a:p>
+          <a:p>
+            <a:r>
+              <a:rPr lang="zh-CN" altLang="en-US" dirty="0"/>
+              <a:t>熊晨阳：负责用户端设计，实现本地界面的设计。</a:t>
+            </a:r>
+          </a:p>
+        </p:txBody>
+      </p:sp>
+    </p:spTree>
+    <p:extLst>
+      <p:ext uri="{BB962C8B-B14F-4D97-AF65-F5344CB8AC3E}">
+        <p14:creationId xmlns:p14="http://schemas.microsoft.com/office/powerpoint/2010/main" val="3439435952"/>
+      </p:ext>
+    </p:extLst>
+  </p:cSld>
+  <p:clrMapOvr>
+    <a:masterClrMapping/>
+  </p:clrMapOvr>
+</p:sld>
+</file>
+
+<file path=ppt/slides/slide44.xml><?xml version="1.0" encoding="utf-8"?>
+<p:sld xmlns:a="http://schemas.openxmlformats.org/drawingml/2006/main" xmlns:r="http://schemas.openxmlformats.org/officeDocument/2006/relationships" xmlns:p="http://schemas.openxmlformats.org/presentationml/2006/main">
+  <p:cSld>
+    <p:spTree>
+      <p:nvGrpSpPr>
+        <p:cNvPr id="1" name=""/>
+        <p:cNvGrpSpPr/>
+        <p:nvPr/>
+      </p:nvGrpSpPr>
+      <p:grpSpPr>
+        <a:xfrm>
+          <a:off x="0" y="0"/>
+          <a:ext cx="0" cy="0"/>
+          <a:chOff x="0" y="0"/>
+          <a:chExt cx="0" cy="0"/>
+        </a:xfrm>
+      </p:grpSpPr>
+      <p:sp>
+        <p:nvSpPr>
+          <p:cNvPr id="2" name="标题 1">
+            <a:extLst>
+              <a:ext uri="{FF2B5EF4-FFF2-40B4-BE49-F238E27FC236}">
+                <a16:creationId xmlns:a16="http://schemas.microsoft.com/office/drawing/2014/main" id="{4E7B1680-1C12-9797-8E79-58040330C0D5}"/>
+              </a:ext>
+            </a:extLst>
+          </p:cNvPr>
+          <p:cNvSpPr>
+            <a:spLocks noGrp="1"/>
+          </p:cNvSpPr>
+          <p:nvPr>
+            <p:ph type="title"/>
+          </p:nvPr>
+        </p:nvSpPr>
+        <p:spPr/>
+        <p:txBody>
+          <a:bodyPr/>
+          <a:lstStyle/>
+          <a:p>
+            <a:r>
+              <a:rPr lang="zh-CN" altLang="en-US" dirty="0"/>
+              <a:t>总结反思</a:t>
+            </a:r>
+          </a:p>
+        </p:txBody>
+      </p:sp>
+      <p:sp>
+        <p:nvSpPr>
+          <p:cNvPr id="3" name="文本占位符 2">
+            <a:extLst>
+              <a:ext uri="{FF2B5EF4-FFF2-40B4-BE49-F238E27FC236}">
+                <a16:creationId xmlns:a16="http://schemas.microsoft.com/office/drawing/2014/main" id="{53F4BA1E-8415-C189-B962-E38D559FBA7B}"/>
+              </a:ext>
+            </a:extLst>
+          </p:cNvPr>
+          <p:cNvSpPr>
+            <a:spLocks noGrp="1"/>
+          </p:cNvSpPr>
+          <p:nvPr>
+            <p:ph type="body" idx="1"/>
+          </p:nvPr>
+        </p:nvSpPr>
+        <p:spPr/>
+        <p:txBody>
+          <a:bodyPr/>
+          <a:lstStyle/>
+          <a:p>
+            <a:r>
+              <a:rPr lang="zh-CN" altLang="en-US" dirty="0"/>
+              <a:t>优点</a:t>
+            </a:r>
+          </a:p>
+        </p:txBody>
+      </p:sp>
+      <p:sp>
+        <p:nvSpPr>
+          <p:cNvPr id="4" name="内容占位符 3">
+            <a:extLst>
+              <a:ext uri="{FF2B5EF4-FFF2-40B4-BE49-F238E27FC236}">
+                <a16:creationId xmlns:a16="http://schemas.microsoft.com/office/drawing/2014/main" id="{426295F8-13CC-8125-FBBA-44E89560A195}"/>
+              </a:ext>
+            </a:extLst>
+          </p:cNvPr>
+          <p:cNvSpPr>
+            <a:spLocks noGrp="1"/>
+          </p:cNvSpPr>
+          <p:nvPr>
+            <p:ph sz="half" idx="2"/>
+          </p:nvPr>
+        </p:nvSpPr>
+        <p:spPr/>
+        <p:txBody>
+          <a:bodyPr>
+            <a:normAutofit fontScale="85000" lnSpcReduction="20000"/>
+          </a:bodyPr>
+          <a:lstStyle/>
+          <a:p>
+            <a:r>
+              <a:rPr lang="en-US" altLang="zh-CN" dirty="0"/>
+              <a:t>1.</a:t>
+            </a:r>
+            <a:r>
+              <a:rPr lang="zh-CN" altLang="en-US" dirty="0"/>
+              <a:t>项目中，我们在进行建模时能够自主探索，对于同一个问题，我们能够通过建立多种模型进行预测，最终挑选出最佳的结果，使预测数据结果能够贴近正确。</a:t>
+            </a:r>
+          </a:p>
+          <a:p>
+            <a:r>
+              <a:rPr lang="en-US" altLang="zh-CN" dirty="0"/>
+              <a:t>2.</a:t>
+            </a:r>
+            <a:r>
+              <a:rPr lang="zh-CN" altLang="en-US" dirty="0"/>
+              <a:t>各个模块内，小组成员通力合作，能够有效推进项目进度，不断完善代码，通过一代代的迭代使得最终的预测结果更为合理准确。</a:t>
+            </a:r>
+          </a:p>
+          <a:p>
+            <a:endParaRPr lang="zh-CN" altLang="en-US" dirty="0"/>
+          </a:p>
+        </p:txBody>
+      </p:sp>
+      <p:sp>
+        <p:nvSpPr>
+          <p:cNvPr id="5" name="文本占位符 4">
+            <a:extLst>
+              <a:ext uri="{FF2B5EF4-FFF2-40B4-BE49-F238E27FC236}">
+                <a16:creationId xmlns:a16="http://schemas.microsoft.com/office/drawing/2014/main" id="{C1613F41-DD38-FA63-84CC-24FE5CBC9CB4}"/>
+              </a:ext>
+            </a:extLst>
+          </p:cNvPr>
+          <p:cNvSpPr>
+            <a:spLocks noGrp="1"/>
+          </p:cNvSpPr>
+          <p:nvPr>
+            <p:ph type="body" sz="quarter" idx="3"/>
+          </p:nvPr>
+        </p:nvSpPr>
+        <p:spPr/>
+        <p:txBody>
+          <a:bodyPr/>
+          <a:lstStyle/>
+          <a:p>
+            <a:r>
+              <a:rPr lang="zh-CN" altLang="en-US" dirty="0"/>
+              <a:t>缺点</a:t>
+            </a:r>
+          </a:p>
+        </p:txBody>
+      </p:sp>
+      <p:sp>
+        <p:nvSpPr>
+          <p:cNvPr id="6" name="内容占位符 5">
+            <a:extLst>
+              <a:ext uri="{FF2B5EF4-FFF2-40B4-BE49-F238E27FC236}">
+                <a16:creationId xmlns:a16="http://schemas.microsoft.com/office/drawing/2014/main" id="{01644CCB-EA92-2412-97CF-0B6C388E4152}"/>
+              </a:ext>
+            </a:extLst>
+          </p:cNvPr>
+          <p:cNvSpPr>
+            <a:spLocks noGrp="1"/>
+          </p:cNvSpPr>
+          <p:nvPr>
+            <p:ph sz="quarter" idx="4"/>
+          </p:nvPr>
+        </p:nvSpPr>
+        <p:spPr/>
+        <p:txBody>
+          <a:bodyPr>
+            <a:normAutofit fontScale="85000" lnSpcReduction="20000"/>
+          </a:bodyPr>
+          <a:lstStyle/>
+          <a:p>
+            <a:r>
+              <a:rPr lang="zh-CN" altLang="en-US" dirty="0"/>
+              <a:t>在项目中，模块之间对接不够清晰，导致模块整合时，出现较大失误，最终通过小组内部会议解决矛盾，能够继续推进。同时，分工不是非常合理导致部分小组成员推进速度过慢。</a:t>
+            </a:r>
+          </a:p>
+        </p:txBody>
+      </p:sp>
+    </p:spTree>
+    <p:extLst>
+      <p:ext uri="{BB962C8B-B14F-4D97-AF65-F5344CB8AC3E}">
+        <p14:creationId xmlns:p14="http://schemas.microsoft.com/office/powerpoint/2010/main" val="3560320423"/>
+      </p:ext>
+    </p:extLst>
+  </p:cSld>
+  <p:clrMapOvr>
+    <a:masterClrMapping/>
+  </p:clrMapOvr>
+</p:sld>
+</file>
+
+<file path=ppt/slides/slide45.xml><?xml version="1.0" encoding="utf-8"?>
+<p:sld xmlns:a="http://schemas.openxmlformats.org/drawingml/2006/main" xmlns:r="http://schemas.openxmlformats.org/officeDocument/2006/relationships" xmlns:p="http://schemas.openxmlformats.org/presentationml/2006/main">
+  <p:cSld>
+    <p:spTree>
+      <p:nvGrpSpPr>
+        <p:cNvPr id="1" name=""/>
+        <p:cNvGrpSpPr/>
+        <p:nvPr/>
+      </p:nvGrpSpPr>
+      <p:grpSpPr>
+        <a:xfrm>
+          <a:off x="0" y="0"/>
+          <a:ext cx="0" cy="0"/>
+          <a:chOff x="0" y="0"/>
+          <a:chExt cx="0" cy="0"/>
+        </a:xfrm>
+      </p:grpSpPr>
+      <p:sp>
+        <p:nvSpPr>
+          <p:cNvPr id="2" name="标题 1">
+            <a:extLst>
+              <a:ext uri="{FF2B5EF4-FFF2-40B4-BE49-F238E27FC236}">
                 <a16:creationId xmlns:a16="http://schemas.microsoft.com/office/drawing/2014/main" id="{4C883DC0-1E2C-6F51-9EB6-C555D04AEBF6}"/>
               </a:ext>
             </a:extLst>
@@ -14176,7 +14469,7 @@
 </p:sld>
 </file>
 
-<file path=ppt/slides/slide44.xml><?xml version="1.0" encoding="utf-8"?>
+<file path=ppt/slides/slide46.xml><?xml version="1.0" encoding="utf-8"?>
 <p:sld xmlns:a="http://schemas.openxmlformats.org/drawingml/2006/main" xmlns:r="http://schemas.openxmlformats.org/officeDocument/2006/relationships" xmlns:p="http://schemas.openxmlformats.org/presentationml/2006/main">
   <p:cSld>
     <p:spTree>
